--- a/templates/creative_pink.pptx
+++ b/templates/creative_pink.pptx
@@ -211,6 +211,13 @@
               <a:schemeClr val="lt1"/>
             </a:fontRef>
           </p:style>
+          <p:txBody>
+            <a:bodyPr/>
+            <a:lstStyle/>
+            <a:p>
+              <a:endParaRPr lang="es-MX"/>
+            </a:p>
+          </p:txBody>
         </p:sp>
         <p:sp>
           <p:nvSpPr>
@@ -275,6 +282,13 @@
               <a:noFill/>
             </a:ln>
           </p:spPr>
+          <p:txBody>
+            <a:bodyPr/>
+            <a:lstStyle/>
+            <a:p>
+              <a:endParaRPr lang="es-MX"/>
+            </a:p>
+          </p:txBody>
         </p:sp>
       </p:grpSp>
       <p:sp>
@@ -536,6 +550,13 @@
             <a:schemeClr val="lt1"/>
           </a:fontRef>
         </p:style>
+        <p:txBody>
+          <a:bodyPr/>
+          <a:lstStyle/>
+          <a:p>
+            <a:endParaRPr lang="es-MX"/>
+          </a:p>
+        </p:txBody>
       </p:sp>
       <p:sp>
         <p:nvSpPr>
@@ -11904,6 +11925,13 @@
               <a:schemeClr val="lt1"/>
             </a:fontRef>
           </p:style>
+          <p:txBody>
+            <a:bodyPr/>
+            <a:lstStyle/>
+            <a:p>
+              <a:endParaRPr lang="es-MX"/>
+            </a:p>
+          </p:txBody>
         </p:sp>
         <p:sp>
           <p:nvSpPr>
@@ -11961,6 +11989,13 @@
               <a:schemeClr val="lt1"/>
             </a:fontRef>
           </p:style>
+          <p:txBody>
+            <a:bodyPr/>
+            <a:lstStyle/>
+            <a:p>
+              <a:endParaRPr lang="es-MX"/>
+            </a:p>
+          </p:txBody>
         </p:sp>
         <p:sp>
           <p:nvSpPr>
@@ -12018,6 +12053,13 @@
               <a:schemeClr val="lt1"/>
             </a:fontRef>
           </p:style>
+          <p:txBody>
+            <a:bodyPr/>
+            <a:lstStyle/>
+            <a:p>
+              <a:endParaRPr lang="es-MX"/>
+            </a:p>
+          </p:txBody>
         </p:sp>
         <p:sp>
           <p:nvSpPr>
@@ -12075,6 +12117,13 @@
               <a:schemeClr val="lt1"/>
             </a:fontRef>
           </p:style>
+          <p:txBody>
+            <a:bodyPr/>
+            <a:lstStyle/>
+            <a:p>
+              <a:endParaRPr lang="es-MX"/>
+            </a:p>
+          </p:txBody>
         </p:sp>
         <p:sp>
           <p:nvSpPr>
@@ -12132,6 +12181,13 @@
               <a:schemeClr val="lt1"/>
             </a:fontRef>
           </p:style>
+          <p:txBody>
+            <a:bodyPr/>
+            <a:lstStyle/>
+            <a:p>
+              <a:endParaRPr lang="es-MX"/>
+            </a:p>
+          </p:txBody>
         </p:sp>
         <p:sp>
           <p:nvSpPr>
@@ -12189,6 +12245,13 @@
               <a:schemeClr val="lt1"/>
             </a:fontRef>
           </p:style>
+          <p:txBody>
+            <a:bodyPr/>
+            <a:lstStyle/>
+            <a:p>
+              <a:endParaRPr lang="es-MX"/>
+            </a:p>
+          </p:txBody>
         </p:sp>
         <p:sp>
           <p:nvSpPr>
@@ -12336,6 +12399,13 @@
               <a:noFill/>
             </a:ln>
           </p:spPr>
+          <p:txBody>
+            <a:bodyPr/>
+            <a:lstStyle/>
+            <a:p>
+              <a:endParaRPr lang="es-MX"/>
+            </a:p>
+          </p:txBody>
         </p:sp>
         <p:sp>
           <p:nvSpPr>
@@ -12520,6 +12590,13 @@
               <a:noFill/>
             </a:ln>
           </p:spPr>
+          <p:txBody>
+            <a:bodyPr/>
+            <a:lstStyle/>
+            <a:p>
+              <a:endParaRPr lang="es-MX"/>
+            </a:p>
+          </p:txBody>
         </p:sp>
         <p:sp>
           <p:nvSpPr>
@@ -12584,6 +12661,13 @@
               <a:noFill/>
             </a:ln>
           </p:spPr>
+          <p:txBody>
+            <a:bodyPr/>
+            <a:lstStyle/>
+            <a:p>
+              <a:endParaRPr lang="es-MX"/>
+            </a:p>
+          </p:txBody>
         </p:sp>
       </p:grpSp>
       <p:sp>
@@ -12790,6 +12874,13 @@
             <a:schemeClr val="lt1"/>
           </a:fontRef>
         </p:style>
+        <p:txBody>
+          <a:bodyPr/>
+          <a:lstStyle/>
+          <a:p>
+            <a:endParaRPr lang="es-MX"/>
+          </a:p>
+        </p:txBody>
       </p:sp>
       <p:sp>
         <p:nvSpPr>
